--- a/pp/pp8/pp8.pptx
+++ b/pp/pp8/pp8.pptx
@@ -6,19 +6,20 @@
     <p:sldMasterId id="2147483663" r:id="rId2"/>
   </p:sldMasterIdLst>
   <p:handoutMasterIdLst>
-    <p:handoutMasterId r:id="rId13"/>
+    <p:handoutMasterId r:id="rId14"/>
   </p:handoutMasterIdLst>
   <p:sldIdLst>
     <p:sldId id="256" r:id="rId3"/>
     <p:sldId id="265" r:id="rId4"/>
     <p:sldId id="266" r:id="rId5"/>
     <p:sldId id="268" r:id="rId6"/>
-    <p:sldId id="269" r:id="rId7"/>
-    <p:sldId id="270" r:id="rId8"/>
-    <p:sldId id="264" r:id="rId9"/>
-    <p:sldId id="261" r:id="rId10"/>
-    <p:sldId id="262" r:id="rId11"/>
-    <p:sldId id="263" r:id="rId12"/>
+    <p:sldId id="272" r:id="rId7"/>
+    <p:sldId id="274" r:id="rId8"/>
+    <p:sldId id="270" r:id="rId9"/>
+    <p:sldId id="264" r:id="rId10"/>
+    <p:sldId id="261" r:id="rId11"/>
+    <p:sldId id="262" r:id="rId12"/>
+    <p:sldId id="263" r:id="rId13"/>
   </p:sldIdLst>
   <p:sldSz cx="9144000" cy="6858000" type="screen4x3"/>
   <p:notesSz cx="6858000" cy="9144000"/>
@@ -15037,11 +15038,7 @@
             </a:r>
             <a:r>
               <a:rPr lang="ja-JP" altLang="en-US" dirty="0" smtClean="0"/>
-              <a:t> </a:t>
-            </a:r>
-            <a:r>
-              <a:rPr lang="ja-JP" altLang="en-US" dirty="0" smtClean="0"/>
-              <a:t>班 第</a:t>
+              <a:t> 班 第</a:t>
             </a:r>
             <a:r>
               <a:rPr lang="en-US" altLang="ja-JP" dirty="0" smtClean="0"/>
@@ -15179,6 +15176,183 @@
       </p:grpSpPr>
       <p:sp>
         <p:nvSpPr>
+          <p:cNvPr id="2" name="タイトル 1"/>
+          <p:cNvSpPr>
+            <a:spLocks noGrp="1"/>
+          </p:cNvSpPr>
+          <p:nvPr>
+            <p:ph type="title"/>
+          </p:nvPr>
+        </p:nvSpPr>
+        <p:spPr/>
+        <p:txBody>
+          <a:bodyPr/>
+          <a:lstStyle/>
+          <a:p>
+            <a:r>
+              <a:rPr kumimoji="1" lang="ja-JP" altLang="en-US" dirty="0" smtClean="0"/>
+              <a:t>今週</a:t>
+            </a:r>
+            <a:r>
+              <a:rPr lang="ja-JP" altLang="en-US" dirty="0" smtClean="0"/>
+              <a:t>までの進展</a:t>
+            </a:r>
+            <a:endParaRPr kumimoji="1" lang="ja-JP" altLang="en-US" dirty="0"/>
+          </a:p>
+        </p:txBody>
+      </p:sp>
+      <p:sp>
+        <p:nvSpPr>
+          <p:cNvPr id="3" name="コンテンツ プレースホルダ 2"/>
+          <p:cNvSpPr>
+            <a:spLocks noGrp="1"/>
+          </p:cNvSpPr>
+          <p:nvPr>
+            <p:ph idx="1"/>
+          </p:nvPr>
+        </p:nvSpPr>
+        <p:spPr/>
+        <p:txBody>
+          <a:bodyPr/>
+          <a:lstStyle/>
+          <a:p>
+            <a:r>
+              <a:rPr kumimoji="1" lang="en-US" altLang="ja-JP" dirty="0" smtClean="0"/>
+              <a:t>CPU</a:t>
+            </a:r>
+          </a:p>
+          <a:p>
+            <a:pPr lvl="1"/>
+            <a:r>
+              <a:rPr kumimoji="1" lang="ja-JP" altLang="en-US" dirty="0" smtClean="0"/>
+              <a:t>命令バッファができた</a:t>
+            </a:r>
+            <a:r>
+              <a:rPr lang="en-US" altLang="ja-JP" dirty="0" smtClean="0"/>
+              <a:t>, load </a:t>
+            </a:r>
+            <a:r>
+              <a:rPr lang="ja-JP" altLang="en-US" dirty="0" smtClean="0"/>
+              <a:t>のバグを修正</a:t>
+            </a:r>
+            <a:endParaRPr lang="en-US" altLang="ja-JP" dirty="0" smtClean="0"/>
+          </a:p>
+          <a:p>
+            <a:pPr lvl="1"/>
+            <a:r>
+              <a:rPr lang="en-US" altLang="ja-JP" dirty="0" smtClean="0"/>
+              <a:t>FPU </a:t>
+            </a:r>
+            <a:r>
+              <a:rPr lang="ja-JP" altLang="en-US" dirty="0" smtClean="0"/>
+              <a:t>の仕様を修正</a:t>
+            </a:r>
+            <a:endParaRPr lang="en-US" altLang="ja-JP" dirty="0" smtClean="0"/>
+          </a:p>
+          <a:p>
+            <a:r>
+              <a:rPr lang="ja-JP" altLang="en-US" dirty="0" smtClean="0"/>
+              <a:t>コンパイラ</a:t>
+            </a:r>
+            <a:endParaRPr lang="en-US" altLang="ja-JP" dirty="0" smtClean="0"/>
+          </a:p>
+          <a:p>
+            <a:pPr lvl="1"/>
+            <a:r>
+              <a:rPr lang="ja-JP" altLang="en-US" dirty="0" smtClean="0"/>
+              <a:t>１億命令くらい（になった）</a:t>
+            </a:r>
+            <a:endParaRPr lang="en-US" altLang="ja-JP" dirty="0" smtClean="0"/>
+          </a:p>
+          <a:p>
+            <a:r>
+              <a:rPr lang="ja-JP" altLang="en-US" dirty="0" smtClean="0"/>
+              <a:t>シミュレータ</a:t>
+            </a:r>
+            <a:endParaRPr lang="en-US" altLang="ja-JP" dirty="0" smtClean="0"/>
+          </a:p>
+          <a:p>
+            <a:pPr lvl="1"/>
+            <a:r>
+              <a:rPr lang="ja-JP" altLang="en-US" dirty="0" smtClean="0"/>
+              <a:t>ブロックごとの実行数カウント機能を実装</a:t>
+            </a:r>
+            <a:endParaRPr lang="en-US" altLang="ja-JP" dirty="0" smtClean="0"/>
+          </a:p>
+          <a:p>
+            <a:r>
+              <a:rPr lang="ja-JP" altLang="en-US" dirty="0" smtClean="0"/>
+              <a:t>基板</a:t>
+            </a:r>
+            <a:endParaRPr lang="en-US" altLang="ja-JP" dirty="0" smtClean="0"/>
+          </a:p>
+          <a:p>
+            <a:pPr lvl="1"/>
+            <a:r>
+              <a:rPr lang="en-US" altLang="ja-JP" dirty="0" smtClean="0"/>
+              <a:t>RS232C </a:t>
+            </a:r>
+            <a:r>
+              <a:rPr lang="ja-JP" altLang="en-US" dirty="0" smtClean="0"/>
+              <a:t>モジュールを修正</a:t>
+            </a:r>
+            <a:endParaRPr lang="en-US" altLang="ja-JP" dirty="0" smtClean="0"/>
+          </a:p>
+          <a:p>
+            <a:r>
+              <a:rPr lang="ja-JP" altLang="en-US" dirty="0" smtClean="0"/>
+              <a:t>広報</a:t>
+            </a:r>
+            <a:endParaRPr lang="en-US" altLang="ja-JP" dirty="0" smtClean="0"/>
+          </a:p>
+          <a:p>
+            <a:pPr lvl="1"/>
+            <a:r>
+              <a:rPr lang="en-US" altLang="ja-JP" dirty="0" smtClean="0"/>
+              <a:t>CPU </a:t>
+            </a:r>
+            <a:r>
+              <a:rPr lang="ja-JP" altLang="en-US" dirty="0" smtClean="0"/>
+              <a:t>実験日記に基板解説記事を載せた</a:t>
+            </a:r>
+            <a:endParaRPr lang="en-US" altLang="ja-JP" dirty="0" smtClean="0"/>
+          </a:p>
+          <a:p>
+            <a:pPr lvl="1"/>
+            <a:endParaRPr kumimoji="1" lang="en-US" altLang="ja-JP" dirty="0" smtClean="0"/>
+          </a:p>
+          <a:p>
+            <a:endParaRPr kumimoji="1" lang="ja-JP" altLang="en-US" dirty="0"/>
+          </a:p>
+        </p:txBody>
+      </p:sp>
+    </p:spTree>
+  </p:cSld>
+  <p:clrMapOvr>
+    <a:masterClrMapping/>
+  </p:clrMapOvr>
+</p:sld>
+</file>
+
+<file path=ppt/slides/slide11.xml><?xml version="1.0" encoding="utf-8"?>
+<p:sld xmlns:a="http://schemas.openxmlformats.org/drawingml/2006/main" xmlns:r="http://schemas.openxmlformats.org/officeDocument/2006/relationships" xmlns:p="http://schemas.openxmlformats.org/presentationml/2006/main">
+  <p:cSld>
+    <p:spTree>
+      <p:nvGrpSpPr>
+        <p:cNvPr id="1" name=""/>
+        <p:cNvGrpSpPr/>
+        <p:nvPr/>
+      </p:nvGrpSpPr>
+      <p:grpSpPr>
+        <a:xfrm>
+          <a:off x="0" y="0"/>
+          <a:ext cx="0" cy="0"/>
+          <a:chOff x="0" y="0"/>
+          <a:chExt cx="0" cy="0"/>
+        </a:xfrm>
+      </p:grpSpPr>
+      <p:sp>
+        <p:nvSpPr>
           <p:cNvPr id="4" name="タイトル 3"/>
           <p:cNvSpPr>
             <a:spLocks noGrp="1"/>
@@ -15592,7 +15766,7 @@
       </p:grpSpPr>
       <p:sp>
         <p:nvSpPr>
-          <p:cNvPr id="5" name="タイトル 4"/>
+          <p:cNvPr id="4" name="タイトル 3"/>
           <p:cNvSpPr>
             <a:spLocks noGrp="1"/>
           </p:cNvSpPr>
@@ -15628,32 +15802,44 @@
               <a:buNone/>
             </a:pPr>
             <a:r>
-              <a:rPr lang="en-US" altLang="ja-JP" sz="2800" dirty="0" smtClean="0"/>
-              <a:t> </a:t>
-            </a:r>
-            <a:r>
-              <a:rPr lang="ja-JP" altLang="en-US" sz="2800" dirty="0" smtClean="0"/>
-              <a:t>あなた達と</a:t>
-            </a:r>
-            <a:r>
-              <a:rPr lang="en-US" altLang="ja-JP" sz="2800" dirty="0" smtClean="0"/>
-              <a:t>CPU</a:t>
-            </a:r>
-            <a:r>
-              <a:rPr lang="ja-JP" altLang="en-US" sz="2800" dirty="0" smtClean="0"/>
-              <a:t>作るのも、</a:t>
-            </a:r>
-            <a:endParaRPr lang="en-US" altLang="ja-JP" sz="2800" dirty="0" smtClean="0"/>
-          </a:p>
-          <a:p>
-            <a:pPr algn="ctr">
+              <a:rPr lang="en-US" altLang="ja-JP" sz="2600" dirty="0" smtClean="0"/>
+              <a:t>3 </a:t>
+            </a:r>
+            <a:r>
+              <a:rPr lang="ja-JP" altLang="en-US" sz="2600" dirty="0" smtClean="0"/>
+              <a:t>位で解散させられるのもよくわからないけど、</a:t>
+            </a:r>
+            <a:endParaRPr lang="en-US" altLang="ja-JP" sz="2600" dirty="0" smtClean="0"/>
+          </a:p>
+          <a:p>
+            <a:pPr marL="342900" lvl="1" indent="-342900" algn="ctr">
               <a:buNone/>
             </a:pPr>
             <a:r>
-              <a:rPr lang="ja-JP" altLang="en-US" sz="2800" dirty="0" smtClean="0"/>
-              <a:t>まあつまらなくもなかったわ・・・</a:t>
-            </a:r>
-            <a:endParaRPr kumimoji="1" lang="ja-JP" altLang="en-US" sz="4400" dirty="0"/>
+              <a:rPr lang="ja-JP" altLang="en-US" sz="2600" dirty="0" smtClean="0"/>
+              <a:t>「班の存続をかけて</a:t>
+            </a:r>
+            <a:r>
+              <a:rPr lang="ja-JP" altLang="en-US" sz="2600" dirty="0" smtClean="0"/>
+              <a:t>戦う」</a:t>
+            </a:r>
+            <a:endParaRPr lang="en-US" altLang="ja-JP" sz="2600" dirty="0" smtClean="0"/>
+          </a:p>
+          <a:p>
+            <a:pPr marL="342900" lvl="1" indent="-342900" algn="ctr">
+              <a:buNone/>
+            </a:pPr>
+            <a:r>
+              <a:rPr lang="ja-JP" altLang="en-US" sz="2600" dirty="0" smtClean="0"/>
+              <a:t>なんて言ったのもまずかったわね・・・</a:t>
+            </a:r>
+            <a:endParaRPr lang="ja-JP" altLang="en-US" sz="2600" dirty="0" smtClean="0"/>
+          </a:p>
+          <a:p>
+            <a:pPr marL="342900" lvl="1" indent="-342900" algn="ctr">
+              <a:buNone/>
+            </a:pPr>
+            <a:endParaRPr kumimoji="1" lang="ja-JP" altLang="en-US" sz="2600" dirty="0"/>
           </a:p>
         </p:txBody>
       </p:sp>
@@ -15691,7 +15877,7 @@
       </p:grpSpPr>
       <p:sp>
         <p:nvSpPr>
-          <p:cNvPr id="4" name="タイトル 3"/>
+          <p:cNvPr id="5" name="タイトル 4"/>
           <p:cNvSpPr>
             <a:spLocks noGrp="1"/>
           </p:cNvSpPr>
@@ -15723,18 +15909,36 @@
           <a:bodyPr anchor="ctr"/>
           <a:lstStyle/>
           <a:p>
-            <a:pPr algn="ctr">
+            <a:pPr marL="342900" lvl="1" indent="-342900" algn="ctr">
               <a:buNone/>
             </a:pPr>
             <a:r>
-              <a:rPr kumimoji="1" lang="ja-JP" altLang="en-US" sz="4400" dirty="0" smtClean="0"/>
-              <a:t>べ、別に</a:t>
-            </a:r>
-            <a:r>
-              <a:rPr lang="ja-JP" altLang="en-US" sz="4400" dirty="0" smtClean="0"/>
-              <a:t>寂しくなんかないんだからねっ！</a:t>
-            </a:r>
-            <a:endParaRPr kumimoji="1" lang="ja-JP" altLang="en-US" sz="4400" dirty="0"/>
+              <a:rPr kumimoji="1" lang="ja-JP" altLang="en-US" sz="3200" dirty="0" smtClean="0"/>
+              <a:t>まあ、あんた達と</a:t>
+            </a:r>
+            <a:r>
+              <a:rPr kumimoji="1" lang="en-US" altLang="ja-JP" sz="3200" dirty="0" smtClean="0"/>
+              <a:t>CPU</a:t>
+            </a:r>
+            <a:r>
+              <a:rPr kumimoji="1" lang="ja-JP" altLang="en-US" sz="3200" dirty="0" smtClean="0"/>
+              <a:t>作るのも、</a:t>
+            </a:r>
+            <a:endParaRPr kumimoji="1" lang="en-US" altLang="ja-JP" sz="3200" dirty="0" smtClean="0"/>
+          </a:p>
+          <a:p>
+            <a:pPr marL="342900" lvl="1" indent="-342900" algn="ctr">
+              <a:buNone/>
+            </a:pPr>
+            <a:r>
+              <a:rPr lang="ja-JP" altLang="en-US" sz="3200" dirty="0" smtClean="0"/>
+              <a:t>つまらなく</a:t>
+            </a:r>
+            <a:r>
+              <a:rPr lang="ja-JP" altLang="en-US" sz="3200" dirty="0" smtClean="0"/>
+              <a:t>もなかったわ。</a:t>
+            </a:r>
+            <a:endParaRPr kumimoji="1" lang="ja-JP" altLang="en-US" sz="3200" dirty="0"/>
           </a:p>
         </p:txBody>
       </p:sp>
@@ -15772,12 +15976,12 @@
       </p:grpSpPr>
       <p:sp>
         <p:nvSpPr>
-          <p:cNvPr id="2" name="タイトル 1"/>
+          <p:cNvPr id="4" name="タイトル 3"/>
           <p:cNvSpPr>
             <a:spLocks noGrp="1"/>
           </p:cNvSpPr>
           <p:nvPr>
-            <p:ph type="ctrTitle"/>
+            <p:ph type="title"/>
           </p:nvPr>
         </p:nvSpPr>
         <p:spPr/>
@@ -15785,125 +15989,37 @@
           <a:bodyPr/>
           <a:lstStyle/>
           <a:p>
-            <a:r>
-              <a:rPr lang="ja-JP" altLang="en-US" dirty="0" smtClean="0"/>
-              <a:t>超</a:t>
-            </a:r>
-            <a:r>
-              <a:rPr kumimoji="1" lang="ja-JP" altLang="en-US" dirty="0" smtClean="0"/>
-              <a:t> </a:t>
-            </a:r>
-            <a:r>
-              <a:rPr kumimoji="1" lang="en-US" altLang="ja-JP" dirty="0" err="1" smtClean="0"/>
-              <a:t>ksk</a:t>
-            </a:r>
-            <a:r>
-              <a:rPr lang="ja-JP" altLang="en-US" dirty="0" smtClean="0"/>
-              <a:t> 班 </a:t>
-            </a:r>
-            <a:r>
-              <a:rPr lang="ja-JP" altLang="en-US" dirty="0" smtClean="0"/>
-              <a:t>第</a:t>
-            </a:r>
-            <a:r>
-              <a:rPr lang="en-US" altLang="ja-JP" dirty="0" smtClean="0"/>
-              <a:t>1</a:t>
-            </a:r>
-            <a:r>
-              <a:rPr lang="ja-JP" altLang="en-US" dirty="0" smtClean="0"/>
-              <a:t>回報告</a:t>
-            </a:r>
-            <a:endParaRPr kumimoji="1" lang="ja-JP" altLang="en-US" dirty="0"/>
-          </a:p>
-        </p:txBody>
-      </p:sp>
-      <p:sp>
-        <p:nvSpPr>
-          <p:cNvPr id="3" name="サブタイトル 2"/>
+            <a:endParaRPr kumimoji="1" lang="ja-JP" altLang="en-US"/>
+          </a:p>
+        </p:txBody>
+      </p:sp>
+      <p:sp>
+        <p:nvSpPr>
+          <p:cNvPr id="3" name="コンテンツ プレースホルダ 2"/>
           <p:cNvSpPr>
             <a:spLocks noGrp="1"/>
           </p:cNvSpPr>
           <p:nvPr>
-            <p:ph type="subTitle" idx="1"/>
+            <p:ph idx="1"/>
           </p:nvPr>
         </p:nvSpPr>
-        <p:spPr>
-          <a:xfrm>
-            <a:off x="2357422" y="3908425"/>
-            <a:ext cx="6383353" cy="1806591"/>
-          </a:xfrm>
-        </p:spPr>
-        <p:txBody>
-          <a:bodyPr/>
-          <a:lstStyle/>
-          <a:p>
-            <a:r>
-              <a:rPr lang="ja-JP" altLang="en-US" dirty="0" smtClean="0"/>
-              <a:t>班長</a:t>
-            </a:r>
-            <a:r>
-              <a:rPr lang="en-US" altLang="ja-JP" dirty="0" smtClean="0"/>
-              <a:t>:</a:t>
-            </a:r>
-            <a:r>
-              <a:rPr lang="ja-JP" altLang="en-US" dirty="0" smtClean="0"/>
-              <a:t>中村 </a:t>
-            </a:r>
-            <a:endParaRPr lang="en-US" altLang="ja-JP" dirty="0" smtClean="0"/>
-          </a:p>
-          <a:p>
-            <a:r>
-              <a:rPr lang="ja-JP" altLang="en-US" dirty="0" smtClean="0"/>
-              <a:t>発表</a:t>
-            </a:r>
-            <a:r>
-              <a:rPr lang="en-US" altLang="ja-JP" dirty="0" smtClean="0"/>
-              <a:t>: </a:t>
-            </a:r>
-            <a:r>
-              <a:rPr lang="ja-JP" altLang="en-US" dirty="0" smtClean="0"/>
-              <a:t>秋葉</a:t>
-            </a:r>
-            <a:endParaRPr lang="en-US" altLang="ja-JP" dirty="0" smtClean="0"/>
-          </a:p>
-          <a:p>
-            <a:r>
-              <a:rPr lang="ja-JP" altLang="en-US" dirty="0" smtClean="0"/>
-              <a:t>班員</a:t>
-            </a:r>
-            <a:r>
-              <a:rPr lang="en-US" altLang="ja-JP" dirty="0" smtClean="0"/>
-              <a:t>: </a:t>
-            </a:r>
-            <a:r>
-              <a:rPr lang="ja-JP" altLang="en-US" dirty="0" smtClean="0"/>
-              <a:t>岩田</a:t>
-            </a:r>
-            <a:r>
-              <a:rPr lang="en-US" altLang="ja-JP" dirty="0" smtClean="0"/>
-              <a:t>, </a:t>
-            </a:r>
-            <a:r>
-              <a:rPr lang="ja-JP" altLang="en-US" dirty="0" smtClean="0"/>
-              <a:t>畔柳</a:t>
-            </a:r>
-            <a:r>
-              <a:rPr lang="en-US" altLang="ja-JP" dirty="0" smtClean="0"/>
-              <a:t>, </a:t>
-            </a:r>
-            <a:r>
-              <a:rPr lang="ja-JP" altLang="en-US" dirty="0" smtClean="0"/>
-              <a:t>太田</a:t>
-            </a:r>
-            <a:r>
-              <a:rPr lang="en-US" altLang="ja-JP" dirty="0" smtClean="0"/>
-              <a:t>, </a:t>
-            </a:r>
-            <a:r>
-              <a:rPr lang="ja-JP" altLang="en-US" dirty="0" smtClean="0"/>
-              <a:t>梁</a:t>
-            </a:r>
-            <a:endParaRPr kumimoji="1" lang="ja-JP" altLang="en-US" dirty="0"/>
+        <p:spPr/>
+        <p:txBody>
+          <a:bodyPr anchor="ctr"/>
+          <a:lstStyle/>
+          <a:p>
+            <a:pPr algn="ctr">
+              <a:buNone/>
+            </a:pPr>
+            <a:r>
+              <a:rPr kumimoji="1" lang="ja-JP" altLang="en-US" sz="4400" dirty="0" smtClean="0"/>
+              <a:t>べ、別に</a:t>
+            </a:r>
+            <a:r>
+              <a:rPr lang="ja-JP" altLang="en-US" sz="4400" dirty="0" smtClean="0"/>
+              <a:t>寂しくなんかないんだからねっ！</a:t>
+            </a:r>
+            <a:endParaRPr kumimoji="1" lang="ja-JP" altLang="en-US" sz="4400" dirty="0"/>
           </a:p>
         </p:txBody>
       </p:sp>
@@ -15946,7 +16062,7 @@
             <a:spLocks noGrp="1"/>
           </p:cNvSpPr>
           <p:nvPr>
-            <p:ph type="title"/>
+            <p:ph type="ctrTitle"/>
           </p:nvPr>
         </p:nvSpPr>
         <p:spPr/>
@@ -15955,8 +16071,28 @@
           <a:lstStyle/>
           <a:p>
             <a:r>
+              <a:rPr lang="ja-JP" altLang="en-US" dirty="0" smtClean="0"/>
+              <a:t>超</a:t>
+            </a:r>
+            <a:r>
               <a:rPr kumimoji="1" lang="ja-JP" altLang="en-US" dirty="0" smtClean="0"/>
-              <a:t>今週までの予定</a:t>
+              <a:t> </a:t>
+            </a:r>
+            <a:r>
+              <a:rPr kumimoji="1" lang="en-US" altLang="ja-JP" dirty="0" err="1" smtClean="0"/>
+              <a:t>ksk</a:t>
+            </a:r>
+            <a:r>
+              <a:rPr lang="ja-JP" altLang="en-US" dirty="0" smtClean="0"/>
+              <a:t> 班 第</a:t>
+            </a:r>
+            <a:r>
+              <a:rPr lang="en-US" altLang="ja-JP" dirty="0" smtClean="0"/>
+              <a:t>1</a:t>
+            </a:r>
+            <a:r>
+              <a:rPr lang="ja-JP" altLang="en-US" dirty="0" smtClean="0"/>
+              <a:t>回報告</a:t>
             </a:r>
             <a:endParaRPr kumimoji="1" lang="ja-JP" altLang="en-US" dirty="0"/>
           </a:p>
@@ -15964,107 +16100,91 @@
       </p:sp>
       <p:sp>
         <p:nvSpPr>
-          <p:cNvPr id="3" name="コンテンツ プレースホルダ 2"/>
+          <p:cNvPr id="3" name="サブタイトル 2"/>
           <p:cNvSpPr>
             <a:spLocks noGrp="1"/>
           </p:cNvSpPr>
           <p:nvPr>
-            <p:ph idx="1"/>
+            <p:ph type="subTitle" idx="1"/>
           </p:nvPr>
         </p:nvSpPr>
-        <p:spPr/>
-        <p:txBody>
-          <a:bodyPr/>
-          <a:lstStyle/>
-          <a:p>
+        <p:spPr>
+          <a:xfrm>
+            <a:off x="2357422" y="3908425"/>
+            <a:ext cx="6383353" cy="1806591"/>
+          </a:xfrm>
+        </p:spPr>
+        <p:txBody>
+          <a:bodyPr/>
+          <a:lstStyle/>
+          <a:p>
+            <a:r>
+              <a:rPr lang="ja-JP" altLang="en-US" dirty="0" smtClean="0"/>
+              <a:t>班長</a:t>
+            </a:r>
             <a:r>
               <a:rPr lang="en-US" altLang="ja-JP" dirty="0" smtClean="0"/>
-              <a:t>CPU</a:t>
-            </a:r>
-          </a:p>
-          <a:p>
-            <a:pPr lvl="1"/>
+              <a:t>:</a:t>
+            </a:r>
             <a:r>
               <a:rPr lang="ja-JP" altLang="en-US" dirty="0" smtClean="0"/>
-              <a:t>レイトレ動かす！！！１１１</a:t>
+              <a:t>中村 </a:t>
             </a:r>
             <a:endParaRPr lang="en-US" altLang="ja-JP" dirty="0" smtClean="0"/>
           </a:p>
           <a:p>
             <a:r>
               <a:rPr lang="ja-JP" altLang="en-US" dirty="0" smtClean="0"/>
-              <a:t>コンパイラ</a:t>
+              <a:t>発表</a:t>
+            </a:r>
+            <a:r>
+              <a:rPr lang="en-US" altLang="ja-JP" dirty="0" smtClean="0"/>
+              <a:t>: </a:t>
+            </a:r>
+            <a:r>
+              <a:rPr lang="ja-JP" altLang="en-US" dirty="0" smtClean="0"/>
+              <a:t>秋葉</a:t>
             </a:r>
             <a:endParaRPr lang="en-US" altLang="ja-JP" dirty="0" smtClean="0"/>
           </a:p>
           <a:p>
-            <a:pPr lvl="1"/>
             <a:r>
               <a:rPr lang="ja-JP" altLang="en-US" dirty="0" smtClean="0"/>
-              <a:t>最適化する</a:t>
-            </a:r>
-            <a:r>
-              <a:rPr lang="ja-JP" altLang="en-US" dirty="0" err="1" smtClean="0"/>
-              <a:t>お</a:t>
-            </a:r>
-            <a:endParaRPr lang="en-US" altLang="ja-JP" dirty="0" smtClean="0"/>
-          </a:p>
-          <a:p>
+              <a:t>班員</a:t>
+            </a:r>
+            <a:r>
+              <a:rPr lang="en-US" altLang="ja-JP" dirty="0" smtClean="0"/>
+              <a:t>: </a:t>
+            </a:r>
             <a:r>
               <a:rPr lang="ja-JP" altLang="en-US" dirty="0" smtClean="0"/>
-              <a:t>シミュレータ</a:t>
-            </a:r>
-            <a:endParaRPr lang="en-US" altLang="ja-JP" dirty="0" smtClean="0"/>
-          </a:p>
-          <a:p>
-            <a:pPr lvl="1"/>
+              <a:t>岩田</a:t>
+            </a:r>
             <a:r>
               <a:rPr lang="en-US" altLang="ja-JP" dirty="0" smtClean="0"/>
-              <a:t>FPU</a:t>
+              <a:t>, </a:t>
             </a:r>
             <a:r>
               <a:rPr lang="ja-JP" altLang="en-US" dirty="0" smtClean="0"/>
-              <a:t>のシミュレーションのバグとり</a:t>
-            </a:r>
-            <a:endParaRPr lang="en-US" altLang="ja-JP" dirty="0" smtClean="0"/>
-          </a:p>
-          <a:p>
+              <a:t>畔柳</a:t>
+            </a:r>
+            <a:r>
+              <a:rPr lang="en-US" altLang="ja-JP" dirty="0" smtClean="0"/>
+              <a:t>, </a:t>
+            </a:r>
             <a:r>
               <a:rPr lang="ja-JP" altLang="en-US" dirty="0" smtClean="0"/>
-              <a:t>基盤</a:t>
-            </a:r>
-            <a:endParaRPr lang="en-US" altLang="ja-JP" dirty="0" smtClean="0"/>
-          </a:p>
-          <a:p>
-            <a:pPr lvl="1"/>
+              <a:t>太田</a:t>
+            </a:r>
+            <a:r>
+              <a:rPr lang="en-US" altLang="ja-JP" dirty="0" smtClean="0"/>
+              <a:t>, </a:t>
+            </a:r>
             <a:r>
               <a:rPr lang="ja-JP" altLang="en-US" dirty="0" smtClean="0"/>
-              <a:t>鬼門と言われている</a:t>
-            </a:r>
-            <a:r>
-              <a:rPr lang="en-US" altLang="ja-JP" dirty="0" smtClean="0"/>
-              <a:t>USB</a:t>
-            </a:r>
-            <a:r>
-              <a:rPr lang="ja-JP" altLang="en-US" dirty="0" smtClean="0"/>
-              <a:t>モジュールに手を出す。</a:t>
-            </a:r>
-            <a:endParaRPr lang="en-US" altLang="ja-JP" dirty="0" smtClean="0"/>
-          </a:p>
-          <a:p>
-            <a:r>
-              <a:rPr lang="ja-JP" altLang="en-US" dirty="0" smtClean="0"/>
-              <a:t>マージャン</a:t>
-            </a:r>
-            <a:endParaRPr lang="en-US" altLang="ja-JP" dirty="0" smtClean="0"/>
-          </a:p>
-          <a:p>
-            <a:pPr lvl="1"/>
-            <a:r>
-              <a:rPr lang="ja-JP" altLang="en-US" dirty="0" smtClean="0"/>
-              <a:t>班の存続をかけて戦う</a:t>
-            </a:r>
-            <a:endParaRPr lang="en-US" altLang="ja-JP" dirty="0" smtClean="0"/>
+              <a:t>梁</a:t>
+            </a:r>
+            <a:endParaRPr kumimoji="1" lang="ja-JP" altLang="en-US" dirty="0"/>
           </a:p>
         </p:txBody>
       </p:sp>
@@ -16117,15 +16237,7 @@
           <a:p>
             <a:r>
               <a:rPr kumimoji="1" lang="ja-JP" altLang="en-US" dirty="0" smtClean="0"/>
-              <a:t>今週</a:t>
-            </a:r>
-            <a:r>
-              <a:rPr lang="ja-JP" altLang="en-US" dirty="0" smtClean="0"/>
-              <a:t>まで</a:t>
-            </a:r>
-            <a:r>
-              <a:rPr lang="ja-JP" altLang="en-US" dirty="0" smtClean="0"/>
-              <a:t>の進展</a:t>
+              <a:t>今週までの予定</a:t>
             </a:r>
             <a:endParaRPr kumimoji="1" lang="ja-JP" altLang="en-US" dirty="0"/>
           </a:p>
@@ -16147,35 +16259,15 @@
           <a:lstStyle/>
           <a:p>
             <a:r>
-              <a:rPr kumimoji="1" lang="en-US" altLang="ja-JP" dirty="0" smtClean="0"/>
+              <a:rPr lang="en-US" altLang="ja-JP" dirty="0" smtClean="0"/>
               <a:t>CPU</a:t>
             </a:r>
           </a:p>
           <a:p>
             <a:pPr lvl="1"/>
             <a:r>
-              <a:rPr kumimoji="1" lang="ja-JP" altLang="en-US" dirty="0" smtClean="0"/>
-              <a:t>命令バッファができた</a:t>
-            </a:r>
-            <a:r>
-              <a:rPr lang="en-US" altLang="ja-JP" dirty="0" smtClean="0"/>
-              <a:t>, load </a:t>
-            </a:r>
-            <a:r>
               <a:rPr lang="ja-JP" altLang="en-US" dirty="0" smtClean="0"/>
-              <a:t>のバグを修正</a:t>
-            </a:r>
-            <a:endParaRPr lang="en-US" altLang="ja-JP" dirty="0" smtClean="0"/>
-          </a:p>
-          <a:p>
-            <a:pPr lvl="1"/>
-            <a:r>
-              <a:rPr lang="en-US" altLang="ja-JP" dirty="0" smtClean="0"/>
-              <a:t>FPU </a:t>
-            </a:r>
-            <a:r>
-              <a:rPr lang="ja-JP" altLang="en-US" dirty="0" smtClean="0"/>
-              <a:t>の仕様を修正</a:t>
+              <a:t>レイトレ動かす！！！１１１</a:t>
             </a:r>
             <a:endParaRPr lang="en-US" altLang="ja-JP" dirty="0" smtClean="0"/>
           </a:p>
@@ -16190,15 +16282,11 @@
             <a:pPr lvl="1"/>
             <a:r>
               <a:rPr lang="ja-JP" altLang="en-US" dirty="0" smtClean="0"/>
-              <a:t>１億命令</a:t>
-            </a:r>
-            <a:r>
-              <a:rPr lang="ja-JP" altLang="en-US" dirty="0" smtClean="0"/>
-              <a:t>くらい（になった</a:t>
-            </a:r>
-            <a:r>
-              <a:rPr lang="ja-JP" altLang="en-US" dirty="0" smtClean="0"/>
-              <a:t>）</a:t>
+              <a:t>最適化する</a:t>
+            </a:r>
+            <a:r>
+              <a:rPr lang="ja-JP" altLang="en-US" dirty="0" err="1" smtClean="0"/>
+              <a:t>お</a:t>
             </a:r>
             <a:endParaRPr lang="en-US" altLang="ja-JP" dirty="0" smtClean="0"/>
           </a:p>
@@ -16212,63 +16300,52 @@
           <a:p>
             <a:pPr lvl="1"/>
             <a:r>
+              <a:rPr lang="en-US" altLang="ja-JP" dirty="0" smtClean="0"/>
+              <a:t>FPU</a:t>
+            </a:r>
+            <a:r>
               <a:rPr lang="ja-JP" altLang="en-US" dirty="0" smtClean="0"/>
-              <a:t>ブロック</a:t>
-            </a:r>
+              <a:t>のシミュレーションのバグとり</a:t>
+            </a:r>
+            <a:endParaRPr lang="en-US" altLang="ja-JP" dirty="0" smtClean="0"/>
+          </a:p>
+          <a:p>
             <a:r>
               <a:rPr lang="ja-JP" altLang="en-US" dirty="0" smtClean="0"/>
-              <a:t>ごと</a:t>
-            </a:r>
+              <a:t>基盤</a:t>
+            </a:r>
+            <a:endParaRPr lang="en-US" altLang="ja-JP" dirty="0" smtClean="0"/>
+          </a:p>
+          <a:p>
+            <a:pPr lvl="1"/>
             <a:r>
               <a:rPr lang="ja-JP" altLang="en-US" dirty="0" smtClean="0"/>
-              <a:t>の実行数カウント機能を実装</a:t>
+              <a:t>鬼門と言われている</a:t>
+            </a:r>
+            <a:r>
+              <a:rPr lang="en-US" altLang="ja-JP" dirty="0" smtClean="0"/>
+              <a:t>USB</a:t>
+            </a:r>
+            <a:r>
+              <a:rPr lang="ja-JP" altLang="en-US" dirty="0" smtClean="0"/>
+              <a:t>モジュールに手を出す。</a:t>
             </a:r>
             <a:endParaRPr lang="en-US" altLang="ja-JP" dirty="0" smtClean="0"/>
           </a:p>
           <a:p>
             <a:r>
               <a:rPr lang="ja-JP" altLang="en-US" dirty="0" smtClean="0"/>
-              <a:t>基板</a:t>
+              <a:t>マージャン</a:t>
             </a:r>
             <a:endParaRPr lang="en-US" altLang="ja-JP" dirty="0" smtClean="0"/>
           </a:p>
           <a:p>
             <a:pPr lvl="1"/>
             <a:r>
-              <a:rPr lang="en-US" altLang="ja-JP" dirty="0" smtClean="0"/>
-              <a:t>RS232C </a:t>
-            </a:r>
-            <a:r>
               <a:rPr lang="ja-JP" altLang="en-US" dirty="0" smtClean="0"/>
-              <a:t>モジュールを修正</a:t>
+              <a:t>班の存続をかけて戦う</a:t>
             </a:r>
             <a:endParaRPr lang="en-US" altLang="ja-JP" dirty="0" smtClean="0"/>
-          </a:p>
-          <a:p>
-            <a:r>
-              <a:rPr lang="ja-JP" altLang="en-US" dirty="0" smtClean="0"/>
-              <a:t>広報</a:t>
-            </a:r>
-            <a:endParaRPr lang="en-US" altLang="ja-JP" dirty="0" smtClean="0"/>
-          </a:p>
-          <a:p>
-            <a:pPr lvl="1"/>
-            <a:r>
-              <a:rPr lang="en-US" altLang="ja-JP" dirty="0" smtClean="0"/>
-              <a:t>CPU </a:t>
-            </a:r>
-            <a:r>
-              <a:rPr lang="ja-JP" altLang="en-US" dirty="0" smtClean="0"/>
-              <a:t>実験日記に基板解説記事を載せた</a:t>
-            </a:r>
-            <a:endParaRPr lang="en-US" altLang="ja-JP" dirty="0" smtClean="0"/>
-          </a:p>
-          <a:p>
-            <a:pPr lvl="1"/>
-            <a:endParaRPr kumimoji="1" lang="en-US" altLang="ja-JP" dirty="0" smtClean="0"/>
-          </a:p>
-          <a:p>
-            <a:endParaRPr kumimoji="1" lang="ja-JP" altLang="en-US" dirty="0"/>
           </a:p>
         </p:txBody>
       </p:sp>
@@ -16277,6 +16354,13 @@
   <p:clrMapOvr>
     <a:masterClrMapping/>
   </p:clrMapOvr>
+  <p:timing>
+    <p:tnLst>
+      <p:par>
+        <p:cTn id="1" dur="indefinite" restart="never" nodeType="tmRoot"/>
+      </p:par>
+    </p:tnLst>
+  </p:timing>
 </p:sld>
 </file>
 
